--- a/Interim Presentation.pptx
+++ b/Interim Presentation.pptx
@@ -5,17 +5,22 @@
     <p:sldMasterId id="2147483916" r:id="rId1"/>
   </p:sldMasterIdLst>
   <p:notesMasterIdLst>
-    <p:notesMasterId r:id="rId10"/>
+    <p:notesMasterId r:id="rId15"/>
   </p:notesMasterIdLst>
   <p:sldIdLst>
     <p:sldId id="256" r:id="rId2"/>
     <p:sldId id="257" r:id="rId3"/>
     <p:sldId id="258" r:id="rId4"/>
     <p:sldId id="259" r:id="rId5"/>
-    <p:sldId id="260" r:id="rId6"/>
-    <p:sldId id="261" r:id="rId7"/>
-    <p:sldId id="262" r:id="rId8"/>
-    <p:sldId id="263" r:id="rId9"/>
+    <p:sldId id="265" r:id="rId6"/>
+    <p:sldId id="267" r:id="rId7"/>
+    <p:sldId id="266" r:id="rId8"/>
+    <p:sldId id="260" r:id="rId9"/>
+    <p:sldId id="268" r:id="rId10"/>
+    <p:sldId id="261" r:id="rId11"/>
+    <p:sldId id="262" r:id="rId12"/>
+    <p:sldId id="263" r:id="rId13"/>
+    <p:sldId id="264" r:id="rId14"/>
   </p:sldIdLst>
   <p:sldSz cx="12192000" cy="6858000"/>
   <p:notesSz cx="6858000" cy="9144000"/>
@@ -204,7 +209,7 @@
           <a:p>
             <a:fld id="{C17F3C29-3A11-4B03-87CA-C39FC8B0DC92}" type="datetimeFigureOut">
               <a:rPr lang="en-GB" smtClean="0"/>
-              <a:t>06/12/2019</a:t>
+              <a:t>12/12/2019</a:t>
             </a:fld>
             <a:endParaRPr lang="en-GB"/>
           </a:p>
@@ -537,7 +542,7 @@
           <a:p>
             <a:fld id="{578354D0-C6A3-41CE-B9CE-777E196464CC}" type="slidenum">
               <a:rPr lang="en-GB" smtClean="0"/>
-              <a:t>5</a:t>
+              <a:t>8</a:t>
             </a:fld>
             <a:endParaRPr lang="en-GB"/>
           </a:p>
@@ -1301,7 +1306,7 @@
           <a:p>
             <a:fld id="{860D4AD4-FD11-4E78-A504-B2BB0DDFD40A}" type="datetimeFigureOut">
               <a:rPr lang="en-GB" smtClean="0"/>
-              <a:t>06/12/2019</a:t>
+              <a:t>12/12/2019</a:t>
             </a:fld>
             <a:endParaRPr lang="en-GB"/>
           </a:p>
@@ -1552,7 +1557,7 @@
           <a:p>
             <a:fld id="{860D4AD4-FD11-4E78-A504-B2BB0DDFD40A}" type="datetimeFigureOut">
               <a:rPr lang="en-GB" smtClean="0"/>
-              <a:t>06/12/2019</a:t>
+              <a:t>12/12/2019</a:t>
             </a:fld>
             <a:endParaRPr lang="en-GB"/>
           </a:p>
@@ -1866,7 +1871,7 @@
           <a:p>
             <a:fld id="{860D4AD4-FD11-4E78-A504-B2BB0DDFD40A}" type="datetimeFigureOut">
               <a:rPr lang="en-GB" smtClean="0"/>
-              <a:t>06/12/2019</a:t>
+              <a:t>12/12/2019</a:t>
             </a:fld>
             <a:endParaRPr lang="en-GB"/>
           </a:p>
@@ -2199,7 +2204,7 @@
           <a:p>
             <a:fld id="{860D4AD4-FD11-4E78-A504-B2BB0DDFD40A}" type="datetimeFigureOut">
               <a:rPr lang="en-GB" smtClean="0"/>
-              <a:t>06/12/2019</a:t>
+              <a:t>12/12/2019</a:t>
             </a:fld>
             <a:endParaRPr lang="en-GB"/>
           </a:p>
@@ -2513,7 +2518,7 @@
           <a:p>
             <a:fld id="{860D4AD4-FD11-4E78-A504-B2BB0DDFD40A}" type="datetimeFigureOut">
               <a:rPr lang="en-GB" smtClean="0"/>
-              <a:t>06/12/2019</a:t>
+              <a:t>12/12/2019</a:t>
             </a:fld>
             <a:endParaRPr lang="en-GB"/>
           </a:p>
@@ -2906,7 +2911,7 @@
           <a:p>
             <a:fld id="{860D4AD4-FD11-4E78-A504-B2BB0DDFD40A}" type="datetimeFigureOut">
               <a:rPr lang="en-GB" smtClean="0"/>
-              <a:t>06/12/2019</a:t>
+              <a:t>12/12/2019</a:t>
             </a:fld>
             <a:endParaRPr lang="en-GB"/>
           </a:p>
@@ -3076,7 +3081,7 @@
           <a:p>
             <a:fld id="{860D4AD4-FD11-4E78-A504-B2BB0DDFD40A}" type="datetimeFigureOut">
               <a:rPr lang="en-GB" smtClean="0"/>
-              <a:t>06/12/2019</a:t>
+              <a:t>12/12/2019</a:t>
             </a:fld>
             <a:endParaRPr lang="en-GB"/>
           </a:p>
@@ -3256,7 +3261,7 @@
           <a:p>
             <a:fld id="{860D4AD4-FD11-4E78-A504-B2BB0DDFD40A}" type="datetimeFigureOut">
               <a:rPr lang="en-GB" smtClean="0"/>
-              <a:t>06/12/2019</a:t>
+              <a:t>12/12/2019</a:t>
             </a:fld>
             <a:endParaRPr lang="en-GB"/>
           </a:p>
@@ -3426,7 +3431,7 @@
           <a:p>
             <a:fld id="{860D4AD4-FD11-4E78-A504-B2BB0DDFD40A}" type="datetimeFigureOut">
               <a:rPr lang="en-GB" smtClean="0"/>
-              <a:t>06/12/2019</a:t>
+              <a:t>12/12/2019</a:t>
             </a:fld>
             <a:endParaRPr lang="en-GB"/>
           </a:p>
@@ -3673,7 +3678,7 @@
           <a:p>
             <a:fld id="{860D4AD4-FD11-4E78-A504-B2BB0DDFD40A}" type="datetimeFigureOut">
               <a:rPr lang="en-GB" smtClean="0"/>
-              <a:t>06/12/2019</a:t>
+              <a:t>12/12/2019</a:t>
             </a:fld>
             <a:endParaRPr lang="en-GB"/>
           </a:p>
@@ -3905,7 +3910,7 @@
           <a:p>
             <a:fld id="{860D4AD4-FD11-4E78-A504-B2BB0DDFD40A}" type="datetimeFigureOut">
               <a:rPr lang="en-GB" smtClean="0"/>
-              <a:t>06/12/2019</a:t>
+              <a:t>12/12/2019</a:t>
             </a:fld>
             <a:endParaRPr lang="en-GB"/>
           </a:p>
@@ -4284,7 +4289,7 @@
           <a:p>
             <a:fld id="{860D4AD4-FD11-4E78-A504-B2BB0DDFD40A}" type="datetimeFigureOut">
               <a:rPr lang="en-GB" smtClean="0"/>
-              <a:t>06/12/2019</a:t>
+              <a:t>12/12/2019</a:t>
             </a:fld>
             <a:endParaRPr lang="en-GB"/>
           </a:p>
@@ -4412,7 +4417,7 @@
           <a:p>
             <a:fld id="{860D4AD4-FD11-4E78-A504-B2BB0DDFD40A}" type="datetimeFigureOut">
               <a:rPr lang="en-GB" smtClean="0"/>
-              <a:t>06/12/2019</a:t>
+              <a:t>12/12/2019</a:t>
             </a:fld>
             <a:endParaRPr lang="en-GB"/>
           </a:p>
@@ -4507,7 +4512,7 @@
           <a:p>
             <a:fld id="{860D4AD4-FD11-4E78-A504-B2BB0DDFD40A}" type="datetimeFigureOut">
               <a:rPr lang="en-GB" smtClean="0"/>
-              <a:t>06/12/2019</a:t>
+              <a:t>12/12/2019</a:t>
             </a:fld>
             <a:endParaRPr lang="en-GB"/>
           </a:p>
@@ -4762,7 +4767,7 @@
           <a:p>
             <a:fld id="{860D4AD4-FD11-4E78-A504-B2BB0DDFD40A}" type="datetimeFigureOut">
               <a:rPr lang="en-GB" smtClean="0"/>
-              <a:t>06/12/2019</a:t>
+              <a:t>12/12/2019</a:t>
             </a:fld>
             <a:endParaRPr lang="en-GB"/>
           </a:p>
@@ -5072,7 +5077,7 @@
           <a:p>
             <a:fld id="{860D4AD4-FD11-4E78-A504-B2BB0DDFD40A}" type="datetimeFigureOut">
               <a:rPr lang="en-GB" smtClean="0"/>
-              <a:t>06/12/2019</a:t>
+              <a:t>12/12/2019</a:t>
             </a:fld>
             <a:endParaRPr lang="en-GB"/>
           </a:p>
@@ -5774,7 +5779,7 @@
           <a:p>
             <a:fld id="{860D4AD4-FD11-4E78-A504-B2BB0DDFD40A}" type="datetimeFigureOut">
               <a:rPr lang="en-GB" smtClean="0"/>
-              <a:t>06/12/2019</a:t>
+              <a:t>12/12/2019</a:t>
             </a:fld>
             <a:endParaRPr lang="en-GB"/>
           </a:p>
@@ -6387,7 +6392,7 @@
 </p:sld>
 </file>
 
-<file path=ppt/slides/slide2.xml><?xml version="1.0" encoding="utf-8"?>
+<file path=ppt/slides/slide10.xml><?xml version="1.0" encoding="utf-8"?>
 <p:sld xmlns:a="http://schemas.openxmlformats.org/drawingml/2006/main" xmlns:r="http://schemas.openxmlformats.org/officeDocument/2006/relationships" xmlns:p="http://schemas.openxmlformats.org/presentationml/2006/main">
   <p:cSld>
     <p:spTree>
@@ -6421,7 +6426,7 @@
           <a:p>
             <a:r>
               <a:rPr lang="en-GB" dirty="0"/>
-              <a:t>Aims and objectives	</a:t>
+              <a:t>Evaluation technique</a:t>
             </a:r>
           </a:p>
         </p:txBody>
@@ -6444,53 +6449,47 @@
           <a:lstStyle/>
           <a:p>
             <a:r>
-              <a:rPr lang="en-GB" sz="2000" dirty="0"/>
-              <a:t>Are day traders warranted in their techniques?</a:t>
+              <a:rPr lang="en-GB" sz="2400" dirty="0"/>
+              <a:t>Historical data trading testing/validation</a:t>
+            </a:r>
+          </a:p>
+          <a:p>
+            <a:r>
+              <a:rPr lang="en-GB" sz="2400" dirty="0"/>
+              <a:t>Live data trading</a:t>
             </a:r>
           </a:p>
           <a:p>
             <a:pPr lvl="1"/>
             <a:r>
-              <a:rPr lang="en-GB" sz="2000" dirty="0"/>
-              <a:t>Can this me automated?</a:t>
-            </a:r>
-          </a:p>
-          <a:p>
-            <a:pPr lvl="2"/>
-            <a:r>
-              <a:rPr lang="en-GB" sz="2000" dirty="0"/>
-              <a:t>Can a Machine Learning model perform better?</a:t>
-            </a:r>
-          </a:p>
-          <a:p>
-            <a:endParaRPr lang="en-GB" sz="2000" dirty="0"/>
-          </a:p>
-          <a:p>
-            <a:r>
-              <a:rPr lang="en-GB" sz="2000" dirty="0"/>
-              <a:t>Create algorithms to represent day trading techniques</a:t>
+              <a:rPr lang="en-GB" sz="2400" dirty="0"/>
+              <a:t>Loss of budget</a:t>
             </a:r>
           </a:p>
           <a:p>
             <a:pPr lvl="1"/>
             <a:r>
-              <a:rPr lang="en-GB" sz="2000" dirty="0"/>
-              <a:t>Match historical data to algorithms.</a:t>
-            </a:r>
-          </a:p>
-          <a:p>
-            <a:pPr lvl="2"/>
-            <a:r>
-              <a:rPr lang="en-GB" sz="2000" dirty="0"/>
-              <a:t>Machine Learning model to show patterns between techniques and market movement.</a:t>
-            </a:r>
-          </a:p>
-          <a:p>
-            <a:pPr lvl="3"/>
-            <a:r>
-              <a:rPr lang="en-GB" sz="2000" dirty="0"/>
-              <a:t>Calculate profit margin.</a:t>
-            </a:r>
+              <a:rPr lang="en-GB" sz="2400" dirty="0"/>
+              <a:t>Ethics</a:t>
+            </a:r>
+          </a:p>
+          <a:p>
+            <a:pPr lvl="1"/>
+            <a:r>
+              <a:rPr lang="en-GB" sz="2400" dirty="0"/>
+              <a:t>Profit</a:t>
+            </a:r>
+          </a:p>
+          <a:p>
+            <a:pPr lvl="1"/>
+            <a:r>
+              <a:rPr lang="en-GB" sz="2400" dirty="0"/>
+              <a:t>Fundamental Effects</a:t>
+            </a:r>
+          </a:p>
+          <a:p>
+            <a:pPr lvl="1"/>
+            <a:endParaRPr lang="en-GB" sz="2400" dirty="0"/>
           </a:p>
           <a:p>
             <a:endParaRPr lang="en-GB" sz="2400" dirty="0"/>
@@ -6500,7 +6499,7 @@
     </p:spTree>
     <p:extLst>
       <p:ext uri="{BB962C8B-B14F-4D97-AF65-F5344CB8AC3E}">
-        <p14:creationId xmlns:p14="http://schemas.microsoft.com/office/powerpoint/2010/main" val="3365939535"/>
+        <p14:creationId xmlns:p14="http://schemas.microsoft.com/office/powerpoint/2010/main" val="2529268803"/>
       </p:ext>
     </p:extLst>
   </p:cSld>
@@ -6510,7 +6509,7 @@
 </p:sld>
 </file>
 
-<file path=ppt/slides/slide3.xml><?xml version="1.0" encoding="utf-8"?>
+<file path=ppt/slides/slide11.xml><?xml version="1.0" encoding="utf-8"?>
 <p:sld xmlns:a="http://schemas.openxmlformats.org/drawingml/2006/main" xmlns:r="http://schemas.openxmlformats.org/officeDocument/2006/relationships" xmlns:p="http://schemas.openxmlformats.org/presentationml/2006/main">
   <p:cSld>
     <p:spTree>
@@ -6544,446 +6543,6 @@
           <a:p>
             <a:r>
               <a:rPr lang="en-GB" dirty="0"/>
-              <a:t>Why is this a computing problem</a:t>
-            </a:r>
-          </a:p>
-        </p:txBody>
-      </p:sp>
-      <p:sp>
-        <p:nvSpPr>
-          <p:cNvPr id="3" name="Content Placeholder 2"/>
-          <p:cNvSpPr>
-            <a:spLocks noGrp="1"/>
-          </p:cNvSpPr>
-          <p:nvPr>
-            <p:ph idx="1"/>
-          </p:nvPr>
-        </p:nvSpPr>
-        <p:spPr/>
-        <p:txBody>
-          <a:bodyPr>
-            <a:normAutofit/>
-          </a:bodyPr>
-          <a:lstStyle/>
-          <a:p>
-            <a:r>
-              <a:rPr lang="en-GB" sz="2000" dirty="0"/>
-              <a:t>Thousands of hours spent every day by traders.</a:t>
-            </a:r>
-          </a:p>
-          <a:p>
-            <a:r>
-              <a:rPr lang="en-GB" sz="2000" dirty="0"/>
-              <a:t>Different traders using different indicators.</a:t>
-            </a:r>
-          </a:p>
-          <a:p>
-            <a:r>
-              <a:rPr lang="en-GB" sz="2000" dirty="0"/>
-              <a:t>Can a pattern be seen using these indicators?</a:t>
-            </a:r>
-          </a:p>
-          <a:p>
-            <a:endParaRPr lang="en-GB" sz="2000" dirty="0"/>
-          </a:p>
-          <a:p>
-            <a:r>
-              <a:rPr lang="en-GB" sz="2000" dirty="0"/>
-              <a:t>How accurately could an individual combine multiple attributes?</a:t>
-            </a:r>
-          </a:p>
-          <a:p>
-            <a:r>
-              <a:rPr lang="en-GB" sz="2000" dirty="0"/>
-              <a:t>Could this individual store the scores of different combination in memory?</a:t>
-            </a:r>
-          </a:p>
-          <a:p>
-            <a:endParaRPr lang="en-GB" sz="2000" dirty="0"/>
-          </a:p>
-          <a:p>
-            <a:endParaRPr lang="en-GB" sz="2000" dirty="0"/>
-          </a:p>
-        </p:txBody>
-      </p:sp>
-    </p:spTree>
-    <p:extLst>
-      <p:ext uri="{BB962C8B-B14F-4D97-AF65-F5344CB8AC3E}">
-        <p14:creationId xmlns:p14="http://schemas.microsoft.com/office/powerpoint/2010/main" val="1493814716"/>
-      </p:ext>
-    </p:extLst>
-  </p:cSld>
-  <p:clrMapOvr>
-    <a:masterClrMapping/>
-  </p:clrMapOvr>
-</p:sld>
-</file>
-
-<file path=ppt/slides/slide4.xml><?xml version="1.0" encoding="utf-8"?>
-<p:sld xmlns:a="http://schemas.openxmlformats.org/drawingml/2006/main" xmlns:r="http://schemas.openxmlformats.org/officeDocument/2006/relationships" xmlns:p="http://schemas.openxmlformats.org/presentationml/2006/main">
-  <p:cSld>
-    <p:spTree>
-      <p:nvGrpSpPr>
-        <p:cNvPr id="1" name=""/>
-        <p:cNvGrpSpPr/>
-        <p:nvPr/>
-      </p:nvGrpSpPr>
-      <p:grpSpPr>
-        <a:xfrm>
-          <a:off x="0" y="0"/>
-          <a:ext cx="0" cy="0"/>
-          <a:chOff x="0" y="0"/>
-          <a:chExt cx="0" cy="0"/>
-        </a:xfrm>
-      </p:grpSpPr>
-      <p:sp>
-        <p:nvSpPr>
-          <p:cNvPr id="2" name="Title 1"/>
-          <p:cNvSpPr>
-            <a:spLocks noGrp="1"/>
-          </p:cNvSpPr>
-          <p:nvPr>
-            <p:ph type="title"/>
-          </p:nvPr>
-        </p:nvSpPr>
-        <p:spPr/>
-        <p:txBody>
-          <a:bodyPr/>
-          <a:lstStyle/>
-          <a:p>
-            <a:r>
-              <a:rPr lang="en-GB" dirty="0"/>
-              <a:t>Literature review discussion</a:t>
-            </a:r>
-          </a:p>
-        </p:txBody>
-      </p:sp>
-      <p:sp>
-        <p:nvSpPr>
-          <p:cNvPr id="3" name="Content Placeholder 2"/>
-          <p:cNvSpPr>
-            <a:spLocks noGrp="1"/>
-          </p:cNvSpPr>
-          <p:nvPr>
-            <p:ph idx="1"/>
-          </p:nvPr>
-        </p:nvSpPr>
-        <p:spPr/>
-        <p:txBody>
-          <a:bodyPr>
-            <a:normAutofit fontScale="92500" lnSpcReduction="10000"/>
-          </a:bodyPr>
-          <a:lstStyle/>
-          <a:p>
-            <a:r>
-              <a:rPr lang="en-GB" sz="2400" dirty="0"/>
-              <a:t>Can specialists predict?</a:t>
-            </a:r>
-          </a:p>
-          <a:p>
-            <a:pPr lvl="1"/>
-            <a:r>
-              <a:rPr lang="en-GB" sz="2400" dirty="0"/>
-              <a:t>Can day traders predict?</a:t>
-            </a:r>
-          </a:p>
-          <a:p>
-            <a:r>
-              <a:rPr lang="en-GB" sz="2400" dirty="0"/>
-              <a:t>Technical Analysis</a:t>
-            </a:r>
-          </a:p>
-          <a:p>
-            <a:pPr lvl="1"/>
-            <a:r>
-              <a:rPr lang="en-GB" sz="2400" dirty="0"/>
-              <a:t>Financial Models</a:t>
-            </a:r>
-          </a:p>
-          <a:p>
-            <a:pPr lvl="1"/>
-            <a:r>
-              <a:rPr lang="en-GB" sz="2400" dirty="0"/>
-              <a:t>Candlesticks/Indicators</a:t>
-            </a:r>
-          </a:p>
-          <a:p>
-            <a:pPr lvl="1"/>
-            <a:endParaRPr lang="en-GB" sz="2400" dirty="0"/>
-          </a:p>
-          <a:p>
-            <a:r>
-              <a:rPr lang="en-GB" sz="2400" dirty="0"/>
-              <a:t>Hybrid AI</a:t>
-            </a:r>
-          </a:p>
-          <a:p>
-            <a:pPr lvl="1"/>
-            <a:r>
-              <a:rPr lang="en-GB" sz="2400" dirty="0"/>
-              <a:t>Neural Networks</a:t>
-            </a:r>
-          </a:p>
-          <a:p>
-            <a:pPr lvl="1"/>
-            <a:r>
-              <a:rPr lang="en-GB" sz="2400" dirty="0"/>
-              <a:t>Linear Regression</a:t>
-            </a:r>
-          </a:p>
-          <a:p>
-            <a:pPr lvl="1"/>
-            <a:endParaRPr lang="en-GB" sz="1800" dirty="0"/>
-          </a:p>
-          <a:p>
-            <a:endParaRPr lang="en-GB" sz="2000" dirty="0"/>
-          </a:p>
-        </p:txBody>
-      </p:sp>
-    </p:spTree>
-    <p:extLst>
-      <p:ext uri="{BB962C8B-B14F-4D97-AF65-F5344CB8AC3E}">
-        <p14:creationId xmlns:p14="http://schemas.microsoft.com/office/powerpoint/2010/main" val="3654950173"/>
-      </p:ext>
-    </p:extLst>
-  </p:cSld>
-  <p:clrMapOvr>
-    <a:masterClrMapping/>
-  </p:clrMapOvr>
-</p:sld>
-</file>
-
-<file path=ppt/slides/slide5.xml><?xml version="1.0" encoding="utf-8"?>
-<p:sld xmlns:a="http://schemas.openxmlformats.org/drawingml/2006/main" xmlns:r="http://schemas.openxmlformats.org/officeDocument/2006/relationships" xmlns:p="http://schemas.openxmlformats.org/presentationml/2006/main">
-  <p:cSld>
-    <p:spTree>
-      <p:nvGrpSpPr>
-        <p:cNvPr id="1" name=""/>
-        <p:cNvGrpSpPr/>
-        <p:nvPr/>
-      </p:nvGrpSpPr>
-      <p:grpSpPr>
-        <a:xfrm>
-          <a:off x="0" y="0"/>
-          <a:ext cx="0" cy="0"/>
-          <a:chOff x="0" y="0"/>
-          <a:chExt cx="0" cy="0"/>
-        </a:xfrm>
-      </p:grpSpPr>
-      <p:sp>
-        <p:nvSpPr>
-          <p:cNvPr id="2" name="Title 1"/>
-          <p:cNvSpPr>
-            <a:spLocks noGrp="1"/>
-          </p:cNvSpPr>
-          <p:nvPr>
-            <p:ph type="title"/>
-          </p:nvPr>
-        </p:nvSpPr>
-        <p:spPr/>
-        <p:txBody>
-          <a:bodyPr/>
-          <a:lstStyle/>
-          <a:p>
-            <a:r>
-              <a:rPr lang="en-GB" dirty="0"/>
-              <a:t>Proposed solution idea</a:t>
-            </a:r>
-          </a:p>
-        </p:txBody>
-      </p:sp>
-      <p:pic>
-        <p:nvPicPr>
-          <p:cNvPr id="5" name="Content Placeholder 4">
-            <a:extLst>
-              <a:ext uri="{FF2B5EF4-FFF2-40B4-BE49-F238E27FC236}">
-                <a16:creationId xmlns:a16="http://schemas.microsoft.com/office/drawing/2014/main" id="{5DFBBCC4-09FA-46F1-9174-39A4B6BF9CA9}"/>
-              </a:ext>
-            </a:extLst>
-          </p:cNvPr>
-          <p:cNvPicPr>
-            <a:picLocks noGrp="1" noChangeAspect="1"/>
-          </p:cNvPicPr>
-          <p:nvPr>
-            <p:ph idx="1"/>
-          </p:nvPr>
-        </p:nvPicPr>
-        <p:blipFill>
-          <a:blip r:embed="rId3">
-            <a:extLst>
-              <a:ext uri="{28A0092B-C50C-407E-A947-70E740481C1C}">
-                <a14:useLocalDpi xmlns:a14="http://schemas.microsoft.com/office/drawing/2010/main" val="0"/>
-              </a:ext>
-            </a:extLst>
-          </a:blip>
-          <a:stretch>
-            <a:fillRect/>
-          </a:stretch>
-        </p:blipFill>
-        <p:spPr>
-          <a:xfrm>
-            <a:off x="457200" y="1092615"/>
-            <a:ext cx="8982075" cy="5494087"/>
-          </a:xfrm>
-        </p:spPr>
-      </p:pic>
-    </p:spTree>
-    <p:extLst>
-      <p:ext uri="{BB962C8B-B14F-4D97-AF65-F5344CB8AC3E}">
-        <p14:creationId xmlns:p14="http://schemas.microsoft.com/office/powerpoint/2010/main" val="3310381124"/>
-      </p:ext>
-    </p:extLst>
-  </p:cSld>
-  <p:clrMapOvr>
-    <a:masterClrMapping/>
-  </p:clrMapOvr>
-</p:sld>
-</file>
-
-<file path=ppt/slides/slide6.xml><?xml version="1.0" encoding="utf-8"?>
-<p:sld xmlns:a="http://schemas.openxmlformats.org/drawingml/2006/main" xmlns:r="http://schemas.openxmlformats.org/officeDocument/2006/relationships" xmlns:p="http://schemas.openxmlformats.org/presentationml/2006/main">
-  <p:cSld>
-    <p:spTree>
-      <p:nvGrpSpPr>
-        <p:cNvPr id="1" name=""/>
-        <p:cNvGrpSpPr/>
-        <p:nvPr/>
-      </p:nvGrpSpPr>
-      <p:grpSpPr>
-        <a:xfrm>
-          <a:off x="0" y="0"/>
-          <a:ext cx="0" cy="0"/>
-          <a:chOff x="0" y="0"/>
-          <a:chExt cx="0" cy="0"/>
-        </a:xfrm>
-      </p:grpSpPr>
-      <p:sp>
-        <p:nvSpPr>
-          <p:cNvPr id="2" name="Title 1"/>
-          <p:cNvSpPr>
-            <a:spLocks noGrp="1"/>
-          </p:cNvSpPr>
-          <p:nvPr>
-            <p:ph type="title"/>
-          </p:nvPr>
-        </p:nvSpPr>
-        <p:spPr/>
-        <p:txBody>
-          <a:bodyPr/>
-          <a:lstStyle/>
-          <a:p>
-            <a:r>
-              <a:rPr lang="en-GB" dirty="0"/>
-              <a:t>Evaluation technique</a:t>
-            </a:r>
-          </a:p>
-        </p:txBody>
-      </p:sp>
-      <p:sp>
-        <p:nvSpPr>
-          <p:cNvPr id="3" name="Content Placeholder 2"/>
-          <p:cNvSpPr>
-            <a:spLocks noGrp="1"/>
-          </p:cNvSpPr>
-          <p:nvPr>
-            <p:ph idx="1"/>
-          </p:nvPr>
-        </p:nvSpPr>
-        <p:spPr/>
-        <p:txBody>
-          <a:bodyPr>
-            <a:normAutofit/>
-          </a:bodyPr>
-          <a:lstStyle/>
-          <a:p>
-            <a:r>
-              <a:rPr lang="en-GB" sz="2400" dirty="0"/>
-              <a:t>Historical data trading testing/validation</a:t>
-            </a:r>
-          </a:p>
-          <a:p>
-            <a:r>
-              <a:rPr lang="en-GB" sz="2400" dirty="0"/>
-              <a:t>Live data trading</a:t>
-            </a:r>
-          </a:p>
-          <a:p>
-            <a:pPr lvl="1"/>
-            <a:r>
-              <a:rPr lang="en-GB" sz="2400" dirty="0"/>
-              <a:t>Loss of budget</a:t>
-            </a:r>
-          </a:p>
-          <a:p>
-            <a:pPr lvl="1"/>
-            <a:r>
-              <a:rPr lang="en-GB" sz="2400" dirty="0"/>
-              <a:t>Ethics</a:t>
-            </a:r>
-          </a:p>
-          <a:p>
-            <a:pPr lvl="1"/>
-            <a:r>
-              <a:rPr lang="en-GB" sz="2400" dirty="0"/>
-              <a:t>Profit</a:t>
-            </a:r>
-          </a:p>
-          <a:p>
-            <a:pPr lvl="1"/>
-            <a:endParaRPr lang="en-GB" sz="2400" dirty="0"/>
-          </a:p>
-          <a:p>
-            <a:endParaRPr lang="en-GB" sz="2400" dirty="0"/>
-          </a:p>
-        </p:txBody>
-      </p:sp>
-    </p:spTree>
-    <p:extLst>
-      <p:ext uri="{BB962C8B-B14F-4D97-AF65-F5344CB8AC3E}">
-        <p14:creationId xmlns:p14="http://schemas.microsoft.com/office/powerpoint/2010/main" val="2529268803"/>
-      </p:ext>
-    </p:extLst>
-  </p:cSld>
-  <p:clrMapOvr>
-    <a:masterClrMapping/>
-  </p:clrMapOvr>
-</p:sld>
-</file>
-
-<file path=ppt/slides/slide7.xml><?xml version="1.0" encoding="utf-8"?>
-<p:sld xmlns:a="http://schemas.openxmlformats.org/drawingml/2006/main" xmlns:r="http://schemas.openxmlformats.org/officeDocument/2006/relationships" xmlns:p="http://schemas.openxmlformats.org/presentationml/2006/main">
-  <p:cSld>
-    <p:spTree>
-      <p:nvGrpSpPr>
-        <p:cNvPr id="1" name=""/>
-        <p:cNvGrpSpPr/>
-        <p:nvPr/>
-      </p:nvGrpSpPr>
-      <p:grpSpPr>
-        <a:xfrm>
-          <a:off x="0" y="0"/>
-          <a:ext cx="0" cy="0"/>
-          <a:chOff x="0" y="0"/>
-          <a:chExt cx="0" cy="0"/>
-        </a:xfrm>
-      </p:grpSpPr>
-      <p:sp>
-        <p:nvSpPr>
-          <p:cNvPr id="2" name="Title 1"/>
-          <p:cNvSpPr>
-            <a:spLocks noGrp="1"/>
-          </p:cNvSpPr>
-          <p:nvPr>
-            <p:ph type="title"/>
-          </p:nvPr>
-        </p:nvSpPr>
-        <p:spPr/>
-        <p:txBody>
-          <a:bodyPr/>
-          <a:lstStyle/>
-          <a:p>
-            <a:r>
-              <a:rPr lang="en-GB" dirty="0"/>
               <a:t>Project planning</a:t>
             </a:r>
           </a:p>
@@ -7020,7 +6579,7 @@
         </p:blipFill>
         <p:spPr bwMode="auto">
           <a:xfrm>
-            <a:off x="1280123" y="1711325"/>
+            <a:off x="1280123" y="1418717"/>
             <a:ext cx="7993879" cy="4537075"/>
           </a:xfrm>
           <a:prstGeom prst="rect">
@@ -7045,7 +6604,7 @@
 </p:sld>
 </file>
 
-<file path=ppt/slides/slide8.xml><?xml version="1.0" encoding="utf-8"?>
+<file path=ppt/slides/slide12.xml><?xml version="1.0" encoding="utf-8"?>
 <p:sld xmlns:a="http://schemas.openxmlformats.org/drawingml/2006/main" xmlns:r="http://schemas.openxmlformats.org/officeDocument/2006/relationships" xmlns:p="http://schemas.openxmlformats.org/presentationml/2006/main">
   <p:cSld>
     <p:spTree>
@@ -8130,6 +7689,1367 @@
 </p:sld>
 </file>
 
+<file path=ppt/slides/slide13.xml><?xml version="1.0" encoding="utf-8"?>
+<p:sld xmlns:a="http://schemas.openxmlformats.org/drawingml/2006/main" xmlns:r="http://schemas.openxmlformats.org/officeDocument/2006/relationships" xmlns:p="http://schemas.openxmlformats.org/presentationml/2006/main">
+  <p:cSld>
+    <p:spTree>
+      <p:nvGrpSpPr>
+        <p:cNvPr id="1" name=""/>
+        <p:cNvGrpSpPr/>
+        <p:nvPr/>
+      </p:nvGrpSpPr>
+      <p:grpSpPr>
+        <a:xfrm>
+          <a:off x="0" y="0"/>
+          <a:ext cx="0" cy="0"/>
+          <a:chOff x="0" y="0"/>
+          <a:chExt cx="0" cy="0"/>
+        </a:xfrm>
+      </p:grpSpPr>
+      <p:sp>
+        <p:nvSpPr>
+          <p:cNvPr id="2" name="Title 1">
+            <a:extLst>
+              <a:ext uri="{FF2B5EF4-FFF2-40B4-BE49-F238E27FC236}">
+                <a16:creationId xmlns:a16="http://schemas.microsoft.com/office/drawing/2014/main" id="{DB2C7C58-3419-470B-9300-63F9582CCC54}"/>
+              </a:ext>
+            </a:extLst>
+          </p:cNvPr>
+          <p:cNvSpPr>
+            <a:spLocks noGrp="1"/>
+          </p:cNvSpPr>
+          <p:nvPr>
+            <p:ph type="title"/>
+          </p:nvPr>
+        </p:nvSpPr>
+        <p:spPr/>
+        <p:txBody>
+          <a:bodyPr/>
+          <a:lstStyle/>
+          <a:p>
+            <a:r>
+              <a:rPr lang="en-GB" dirty="0"/>
+              <a:t>References</a:t>
+            </a:r>
+          </a:p>
+        </p:txBody>
+      </p:sp>
+      <p:sp>
+        <p:nvSpPr>
+          <p:cNvPr id="3" name="Content Placeholder 2">
+            <a:extLst>
+              <a:ext uri="{FF2B5EF4-FFF2-40B4-BE49-F238E27FC236}">
+                <a16:creationId xmlns:a16="http://schemas.microsoft.com/office/drawing/2014/main" id="{CA25D0A4-C650-4D16-8277-9FA33C2A6CCC}"/>
+              </a:ext>
+            </a:extLst>
+          </p:cNvPr>
+          <p:cNvSpPr>
+            <a:spLocks noGrp="1"/>
+          </p:cNvSpPr>
+          <p:nvPr>
+            <p:ph idx="1"/>
+          </p:nvPr>
+        </p:nvSpPr>
+        <p:spPr/>
+        <p:txBody>
+          <a:bodyPr>
+            <a:normAutofit fontScale="85000" lnSpcReduction="20000"/>
+          </a:bodyPr>
+          <a:lstStyle/>
+          <a:p>
+            <a:r>
+              <a:rPr lang="en-US" dirty="0"/>
+              <a:t>[1] Brown, S. (2018). Fake it till you make it: meet the wolves of Instagram. [online] The Guardian. Available at: https://www.theguardian.com/news/2018/apr/19/wolves-of-instagram-jordan-belmontsocial-media-traders [Accessed 29 Nov. 2019]. </a:t>
+            </a:r>
+          </a:p>
+          <a:p>
+            <a:r>
+              <a:rPr lang="en-US" dirty="0"/>
+              <a:t>[2] </a:t>
+            </a:r>
+            <a:r>
+              <a:rPr lang="en-US" dirty="0" err="1"/>
+              <a:t>Brokernotes</a:t>
+            </a:r>
+            <a:r>
+              <a:rPr lang="en-US" dirty="0"/>
+              <a:t> (2018). THE MODERN TRADER. [online] Available at: https://brokernotes.co/wpcontent/uploads/2017/08/BN-research-report_2018-FINAL.pdf [Accessed 29 Nov. 2019].</a:t>
+            </a:r>
+          </a:p>
+          <a:p>
+            <a:r>
+              <a:rPr lang="en-US" dirty="0"/>
+              <a:t>[3] Prado, H., </a:t>
+            </a:r>
+            <a:r>
+              <a:rPr lang="en-US" dirty="0" err="1"/>
+              <a:t>Ferneda</a:t>
+            </a:r>
+            <a:r>
+              <a:rPr lang="en-US" dirty="0"/>
+              <a:t>, E., </a:t>
+            </a:r>
+            <a:r>
+              <a:rPr lang="en-US" dirty="0" err="1"/>
+              <a:t>Morais</a:t>
+            </a:r>
+            <a:r>
+              <a:rPr lang="en-US" dirty="0"/>
+              <a:t>, L., Luiz, A. and </a:t>
+            </a:r>
+            <a:r>
+              <a:rPr lang="en-US" dirty="0" err="1"/>
+              <a:t>Matsura</a:t>
+            </a:r>
+            <a:r>
+              <a:rPr lang="en-US" dirty="0"/>
+              <a:t>, E. (2013). On the Effectiveness of Candlestick Chart Analysis for the Brazilian Stock Market. Procedia Computer Science, 22, pp.1136- 1145.</a:t>
+            </a:r>
+          </a:p>
+          <a:p>
+            <a:r>
+              <a:rPr lang="en-US" dirty="0"/>
+              <a:t>[4] </a:t>
+            </a:r>
+            <a:r>
+              <a:rPr lang="en-US" dirty="0" err="1"/>
+              <a:t>Otake</a:t>
+            </a:r>
+            <a:r>
+              <a:rPr lang="en-US" dirty="0"/>
+              <a:t>, T. and </a:t>
+            </a:r>
+            <a:r>
+              <a:rPr lang="en-US" dirty="0" err="1"/>
+              <a:t>Fallou</a:t>
+            </a:r>
+            <a:r>
+              <a:rPr lang="en-US" dirty="0"/>
+              <a:t>, F. (2013). Can we apply Fibonacci retracement in the African market?. </a:t>
+            </a:r>
+            <a:r>
+              <a:rPr lang="en-US" dirty="0" err="1"/>
+              <a:t>academicJournals</a:t>
+            </a:r>
+            <a:r>
+              <a:rPr lang="en-US" dirty="0"/>
+              <a:t>, 7(24). </a:t>
+            </a:r>
+          </a:p>
+          <a:p>
+            <a:r>
+              <a:rPr lang="en-US" dirty="0"/>
+              <a:t>[5] Stock Members. (2019). RSI Indicator – I love it!. [online] Available at: https://www.stockmembers.com/rsi-indicator-i-love-it/ [Accessed 29 Nov. 2019].</a:t>
+            </a:r>
+          </a:p>
+          <a:p>
+            <a:r>
+              <a:rPr lang="en-GB" dirty="0"/>
+              <a:t>[6]Yu, L., Leu, K. and Wang, S. (2005). </a:t>
+            </a:r>
+            <a:r>
+              <a:rPr lang="en-GB" i="1" dirty="0"/>
+              <a:t>Designing a hybrid AI system as a forex trading decision support tool</a:t>
+            </a:r>
+            <a:r>
+              <a:rPr lang="en-GB" dirty="0"/>
+              <a:t>. [online] Hong Kong: IEEE. Available at: https://ieeexplore.ieee.org/abstract/document/1562920 [Accessed 13 Dec. 2019].</a:t>
+            </a:r>
+            <a:endParaRPr lang="en-US" dirty="0"/>
+          </a:p>
+          <a:p>
+            <a:endParaRPr lang="en-GB" dirty="0"/>
+          </a:p>
+        </p:txBody>
+      </p:sp>
+    </p:spTree>
+    <p:extLst>
+      <p:ext uri="{BB962C8B-B14F-4D97-AF65-F5344CB8AC3E}">
+        <p14:creationId xmlns:p14="http://schemas.microsoft.com/office/powerpoint/2010/main" val="2272032730"/>
+      </p:ext>
+    </p:extLst>
+  </p:cSld>
+  <p:clrMapOvr>
+    <a:masterClrMapping/>
+  </p:clrMapOvr>
+</p:sld>
+</file>
+
+<file path=ppt/slides/slide2.xml><?xml version="1.0" encoding="utf-8"?>
+<p:sld xmlns:a="http://schemas.openxmlformats.org/drawingml/2006/main" xmlns:r="http://schemas.openxmlformats.org/officeDocument/2006/relationships" xmlns:p="http://schemas.openxmlformats.org/presentationml/2006/main">
+  <p:cSld>
+    <p:spTree>
+      <p:nvGrpSpPr>
+        <p:cNvPr id="1" name=""/>
+        <p:cNvGrpSpPr/>
+        <p:nvPr/>
+      </p:nvGrpSpPr>
+      <p:grpSpPr>
+        <a:xfrm>
+          <a:off x="0" y="0"/>
+          <a:ext cx="0" cy="0"/>
+          <a:chOff x="0" y="0"/>
+          <a:chExt cx="0" cy="0"/>
+        </a:xfrm>
+      </p:grpSpPr>
+      <p:sp>
+        <p:nvSpPr>
+          <p:cNvPr id="2" name="Title 1"/>
+          <p:cNvSpPr>
+            <a:spLocks noGrp="1"/>
+          </p:cNvSpPr>
+          <p:nvPr>
+            <p:ph type="title"/>
+          </p:nvPr>
+        </p:nvSpPr>
+        <p:spPr/>
+        <p:txBody>
+          <a:bodyPr/>
+          <a:lstStyle/>
+          <a:p>
+            <a:r>
+              <a:rPr lang="en-GB" dirty="0"/>
+              <a:t>Aims and objectives	</a:t>
+            </a:r>
+          </a:p>
+        </p:txBody>
+      </p:sp>
+      <p:sp>
+        <p:nvSpPr>
+          <p:cNvPr id="3" name="Content Placeholder 2"/>
+          <p:cNvSpPr>
+            <a:spLocks noGrp="1"/>
+          </p:cNvSpPr>
+          <p:nvPr>
+            <p:ph idx="1"/>
+          </p:nvPr>
+        </p:nvSpPr>
+        <p:spPr/>
+        <p:txBody>
+          <a:bodyPr>
+            <a:normAutofit/>
+          </a:bodyPr>
+          <a:lstStyle/>
+          <a:p>
+            <a:r>
+              <a:rPr lang="en-GB" sz="2000" dirty="0"/>
+              <a:t>Are day traders warranted in their techniques?</a:t>
+            </a:r>
+          </a:p>
+          <a:p>
+            <a:pPr lvl="1"/>
+            <a:r>
+              <a:rPr lang="en-GB" sz="2000" dirty="0"/>
+              <a:t>Can this be automated?</a:t>
+            </a:r>
+          </a:p>
+          <a:p>
+            <a:pPr lvl="2"/>
+            <a:r>
+              <a:rPr lang="en-GB" sz="2000" dirty="0"/>
+              <a:t>Can a Machine Learning model perform better?</a:t>
+            </a:r>
+          </a:p>
+          <a:p>
+            <a:endParaRPr lang="en-GB" sz="2000" dirty="0"/>
+          </a:p>
+          <a:p>
+            <a:r>
+              <a:rPr lang="en-GB" sz="2000" dirty="0"/>
+              <a:t>Create algorithms to represent day trading techniques</a:t>
+            </a:r>
+          </a:p>
+          <a:p>
+            <a:pPr lvl="1"/>
+            <a:r>
+              <a:rPr lang="en-GB" sz="2000" dirty="0"/>
+              <a:t>Match historical data to algorithms.</a:t>
+            </a:r>
+          </a:p>
+          <a:p>
+            <a:pPr lvl="2"/>
+            <a:r>
+              <a:rPr lang="en-GB" sz="2000" dirty="0"/>
+              <a:t>Machine Learning model to show patterns between techniques and market movement.</a:t>
+            </a:r>
+          </a:p>
+          <a:p>
+            <a:pPr lvl="3"/>
+            <a:r>
+              <a:rPr lang="en-GB" sz="2000" dirty="0"/>
+              <a:t>Calculate profit margin.</a:t>
+            </a:r>
+          </a:p>
+          <a:p>
+            <a:endParaRPr lang="en-GB" sz="2400" dirty="0"/>
+          </a:p>
+        </p:txBody>
+      </p:sp>
+    </p:spTree>
+    <p:extLst>
+      <p:ext uri="{BB962C8B-B14F-4D97-AF65-F5344CB8AC3E}">
+        <p14:creationId xmlns:p14="http://schemas.microsoft.com/office/powerpoint/2010/main" val="3365939535"/>
+      </p:ext>
+    </p:extLst>
+  </p:cSld>
+  <p:clrMapOvr>
+    <a:masterClrMapping/>
+  </p:clrMapOvr>
+</p:sld>
+</file>
+
+<file path=ppt/slides/slide3.xml><?xml version="1.0" encoding="utf-8"?>
+<p:sld xmlns:a="http://schemas.openxmlformats.org/drawingml/2006/main" xmlns:r="http://schemas.openxmlformats.org/officeDocument/2006/relationships" xmlns:p="http://schemas.openxmlformats.org/presentationml/2006/main">
+  <p:cSld>
+    <p:spTree>
+      <p:nvGrpSpPr>
+        <p:cNvPr id="1" name=""/>
+        <p:cNvGrpSpPr/>
+        <p:nvPr/>
+      </p:nvGrpSpPr>
+      <p:grpSpPr>
+        <a:xfrm>
+          <a:off x="0" y="0"/>
+          <a:ext cx="0" cy="0"/>
+          <a:chOff x="0" y="0"/>
+          <a:chExt cx="0" cy="0"/>
+        </a:xfrm>
+      </p:grpSpPr>
+      <p:sp>
+        <p:nvSpPr>
+          <p:cNvPr id="2" name="Title 1"/>
+          <p:cNvSpPr>
+            <a:spLocks noGrp="1"/>
+          </p:cNvSpPr>
+          <p:nvPr>
+            <p:ph type="title"/>
+          </p:nvPr>
+        </p:nvSpPr>
+        <p:spPr/>
+        <p:txBody>
+          <a:bodyPr/>
+          <a:lstStyle/>
+          <a:p>
+            <a:r>
+              <a:rPr lang="en-GB" dirty="0"/>
+              <a:t>Why is this a computing problem</a:t>
+            </a:r>
+          </a:p>
+        </p:txBody>
+      </p:sp>
+      <p:sp>
+        <p:nvSpPr>
+          <p:cNvPr id="3" name="Content Placeholder 2"/>
+          <p:cNvSpPr>
+            <a:spLocks noGrp="1"/>
+          </p:cNvSpPr>
+          <p:nvPr>
+            <p:ph idx="1"/>
+          </p:nvPr>
+        </p:nvSpPr>
+        <p:spPr/>
+        <p:txBody>
+          <a:bodyPr>
+            <a:normAutofit/>
+          </a:bodyPr>
+          <a:lstStyle/>
+          <a:p>
+            <a:r>
+              <a:rPr lang="en-GB" sz="2000" dirty="0"/>
+              <a:t>Thousands of hours spent every day by traders.</a:t>
+            </a:r>
+          </a:p>
+          <a:p>
+            <a:r>
+              <a:rPr lang="en-GB" sz="2000" dirty="0"/>
+              <a:t>Different traders using different indicators.</a:t>
+            </a:r>
+          </a:p>
+          <a:p>
+            <a:r>
+              <a:rPr lang="en-GB" sz="2000" dirty="0"/>
+              <a:t>Can a pattern be seen using these indicators?</a:t>
+            </a:r>
+          </a:p>
+          <a:p>
+            <a:endParaRPr lang="en-GB" sz="2000" dirty="0"/>
+          </a:p>
+          <a:p>
+            <a:r>
+              <a:rPr lang="en-GB" sz="2000" dirty="0"/>
+              <a:t>How accurately could an individual combine multiple attributes?</a:t>
+            </a:r>
+          </a:p>
+          <a:p>
+            <a:r>
+              <a:rPr lang="en-GB" sz="2000" dirty="0"/>
+              <a:t>Could this individual store the scores of different combination in memory?</a:t>
+            </a:r>
+          </a:p>
+          <a:p>
+            <a:endParaRPr lang="en-GB" sz="2000" dirty="0"/>
+          </a:p>
+          <a:p>
+            <a:endParaRPr lang="en-GB" sz="2000" dirty="0"/>
+          </a:p>
+        </p:txBody>
+      </p:sp>
+    </p:spTree>
+    <p:extLst>
+      <p:ext uri="{BB962C8B-B14F-4D97-AF65-F5344CB8AC3E}">
+        <p14:creationId xmlns:p14="http://schemas.microsoft.com/office/powerpoint/2010/main" val="1493814716"/>
+      </p:ext>
+    </p:extLst>
+  </p:cSld>
+  <p:clrMapOvr>
+    <a:masterClrMapping/>
+  </p:clrMapOvr>
+</p:sld>
+</file>
+
+<file path=ppt/slides/slide4.xml><?xml version="1.0" encoding="utf-8"?>
+<p:sld xmlns:a="http://schemas.openxmlformats.org/drawingml/2006/main" xmlns:r="http://schemas.openxmlformats.org/officeDocument/2006/relationships" xmlns:p="http://schemas.openxmlformats.org/presentationml/2006/main">
+  <p:cSld>
+    <p:spTree>
+      <p:nvGrpSpPr>
+        <p:cNvPr id="1" name=""/>
+        <p:cNvGrpSpPr/>
+        <p:nvPr/>
+      </p:nvGrpSpPr>
+      <p:grpSpPr>
+        <a:xfrm>
+          <a:off x="0" y="0"/>
+          <a:ext cx="0" cy="0"/>
+          <a:chOff x="0" y="0"/>
+          <a:chExt cx="0" cy="0"/>
+        </a:xfrm>
+      </p:grpSpPr>
+      <p:sp>
+        <p:nvSpPr>
+          <p:cNvPr id="2" name="Title 1"/>
+          <p:cNvSpPr>
+            <a:spLocks noGrp="1"/>
+          </p:cNvSpPr>
+          <p:nvPr>
+            <p:ph type="title"/>
+          </p:nvPr>
+        </p:nvSpPr>
+        <p:spPr/>
+        <p:txBody>
+          <a:bodyPr/>
+          <a:lstStyle/>
+          <a:p>
+            <a:r>
+              <a:rPr lang="en-GB" dirty="0"/>
+              <a:t>Literature review discussion</a:t>
+            </a:r>
+          </a:p>
+        </p:txBody>
+      </p:sp>
+      <p:sp>
+        <p:nvSpPr>
+          <p:cNvPr id="3" name="Content Placeholder 2"/>
+          <p:cNvSpPr>
+            <a:spLocks noGrp="1"/>
+          </p:cNvSpPr>
+          <p:nvPr>
+            <p:ph idx="1"/>
+          </p:nvPr>
+        </p:nvSpPr>
+        <p:spPr/>
+        <p:txBody>
+          <a:bodyPr>
+            <a:normAutofit fontScale="92500" lnSpcReduction="10000"/>
+          </a:bodyPr>
+          <a:lstStyle/>
+          <a:p>
+            <a:r>
+              <a:rPr lang="en-GB" sz="2400" dirty="0"/>
+              <a:t>Can specialists predict?</a:t>
+            </a:r>
+          </a:p>
+          <a:p>
+            <a:pPr lvl="1"/>
+            <a:r>
+              <a:rPr lang="en-GB" sz="2400" dirty="0"/>
+              <a:t>Can day traders predict?[1][3]</a:t>
+            </a:r>
+          </a:p>
+          <a:p>
+            <a:r>
+              <a:rPr lang="en-GB" sz="2400" dirty="0"/>
+              <a:t>Technical Analysis</a:t>
+            </a:r>
+          </a:p>
+          <a:p>
+            <a:pPr lvl="1"/>
+            <a:r>
+              <a:rPr lang="en-GB" sz="2400" dirty="0"/>
+              <a:t>Financial Models</a:t>
+            </a:r>
+          </a:p>
+          <a:p>
+            <a:pPr lvl="1"/>
+            <a:r>
+              <a:rPr lang="en-GB" sz="2400" dirty="0"/>
+              <a:t>Candlesticks/Indicators [4][5]</a:t>
+            </a:r>
+          </a:p>
+          <a:p>
+            <a:pPr lvl="1"/>
+            <a:endParaRPr lang="en-GB" sz="2400" dirty="0"/>
+          </a:p>
+          <a:p>
+            <a:r>
+              <a:rPr lang="en-GB" sz="2400" dirty="0"/>
+              <a:t>Hybrid AI[6]</a:t>
+            </a:r>
+          </a:p>
+          <a:p>
+            <a:pPr lvl="1"/>
+            <a:r>
+              <a:rPr lang="en-GB" sz="2400" dirty="0"/>
+              <a:t>Neural Networks</a:t>
+            </a:r>
+          </a:p>
+          <a:p>
+            <a:pPr lvl="1"/>
+            <a:r>
+              <a:rPr lang="en-GB" sz="2400" dirty="0"/>
+              <a:t>Linear Regression</a:t>
+            </a:r>
+          </a:p>
+          <a:p>
+            <a:pPr lvl="1"/>
+            <a:endParaRPr lang="en-GB" sz="1800" dirty="0"/>
+          </a:p>
+          <a:p>
+            <a:endParaRPr lang="en-GB" sz="2000" dirty="0"/>
+          </a:p>
+        </p:txBody>
+      </p:sp>
+    </p:spTree>
+    <p:extLst>
+      <p:ext uri="{BB962C8B-B14F-4D97-AF65-F5344CB8AC3E}">
+        <p14:creationId xmlns:p14="http://schemas.microsoft.com/office/powerpoint/2010/main" val="3654950173"/>
+      </p:ext>
+    </p:extLst>
+  </p:cSld>
+  <p:clrMapOvr>
+    <a:masterClrMapping/>
+  </p:clrMapOvr>
+</p:sld>
+</file>
+
+<file path=ppt/slides/slide5.xml><?xml version="1.0" encoding="utf-8"?>
+<p:sld xmlns:a="http://schemas.openxmlformats.org/drawingml/2006/main" xmlns:r="http://schemas.openxmlformats.org/officeDocument/2006/relationships" xmlns:p="http://schemas.openxmlformats.org/presentationml/2006/main">
+  <p:cSld>
+    <p:spTree>
+      <p:nvGrpSpPr>
+        <p:cNvPr id="1" name=""/>
+        <p:cNvGrpSpPr/>
+        <p:nvPr/>
+      </p:nvGrpSpPr>
+      <p:grpSpPr>
+        <a:xfrm>
+          <a:off x="0" y="0"/>
+          <a:ext cx="0" cy="0"/>
+          <a:chOff x="0" y="0"/>
+          <a:chExt cx="0" cy="0"/>
+        </a:xfrm>
+      </p:grpSpPr>
+      <p:pic>
+        <p:nvPicPr>
+          <p:cNvPr id="10" name="Picture 9">
+            <a:extLst>
+              <a:ext uri="{FF2B5EF4-FFF2-40B4-BE49-F238E27FC236}">
+                <a16:creationId xmlns:a16="http://schemas.microsoft.com/office/drawing/2014/main" id="{2B9D5DEB-81C5-4055-99F9-81A3AB3FD42B}"/>
+              </a:ext>
+            </a:extLst>
+          </p:cNvPr>
+          <p:cNvPicPr>
+            <a:picLocks noChangeAspect="1"/>
+          </p:cNvPicPr>
+          <p:nvPr/>
+        </p:nvPicPr>
+        <p:blipFill>
+          <a:blip r:embed="rId2"/>
+          <a:stretch>
+            <a:fillRect/>
+          </a:stretch>
+        </p:blipFill>
+        <p:spPr>
+          <a:xfrm>
+            <a:off x="158546" y="1664779"/>
+            <a:ext cx="4878685" cy="3502469"/>
+          </a:xfrm>
+          <a:prstGeom prst="rect">
+            <a:avLst/>
+          </a:prstGeom>
+        </p:spPr>
+      </p:pic>
+      <p:sp>
+        <p:nvSpPr>
+          <p:cNvPr id="2" name="Title 1">
+            <a:extLst>
+              <a:ext uri="{FF2B5EF4-FFF2-40B4-BE49-F238E27FC236}">
+                <a16:creationId xmlns:a16="http://schemas.microsoft.com/office/drawing/2014/main" id="{CDB813E6-0AC9-43BD-9D2C-FBC094425004}"/>
+              </a:ext>
+            </a:extLst>
+          </p:cNvPr>
+          <p:cNvSpPr>
+            <a:spLocks noGrp="1"/>
+          </p:cNvSpPr>
+          <p:nvPr>
+            <p:ph type="title"/>
+          </p:nvPr>
+        </p:nvSpPr>
+        <p:spPr/>
+        <p:txBody>
+          <a:bodyPr/>
+          <a:lstStyle/>
+          <a:p>
+            <a:r>
+              <a:rPr lang="en-GB" dirty="0"/>
+              <a:t>Candlesticks</a:t>
+            </a:r>
+          </a:p>
+        </p:txBody>
+      </p:sp>
+      <p:pic>
+        <p:nvPicPr>
+          <p:cNvPr id="4" name="Picture 3">
+            <a:extLst>
+              <a:ext uri="{FF2B5EF4-FFF2-40B4-BE49-F238E27FC236}">
+                <a16:creationId xmlns:a16="http://schemas.microsoft.com/office/drawing/2014/main" id="{B4A4CCB4-350A-4DBA-9AFA-CD63E8D19809}"/>
+              </a:ext>
+            </a:extLst>
+          </p:cNvPr>
+          <p:cNvPicPr>
+            <a:picLocks noChangeAspect="1"/>
+          </p:cNvPicPr>
+          <p:nvPr/>
+        </p:nvPicPr>
+        <p:blipFill rotWithShape="1">
+          <a:blip r:embed="rId3"/>
+          <a:srcRect b="10810"/>
+          <a:stretch/>
+        </p:blipFill>
+        <p:spPr>
+          <a:xfrm>
+            <a:off x="4832604" y="623824"/>
+            <a:ext cx="6592944" cy="2958846"/>
+          </a:xfrm>
+          <a:prstGeom prst="rect">
+            <a:avLst/>
+          </a:prstGeom>
+        </p:spPr>
+      </p:pic>
+      <p:pic>
+        <p:nvPicPr>
+          <p:cNvPr id="5" name="Picture 4">
+            <a:extLst>
+              <a:ext uri="{FF2B5EF4-FFF2-40B4-BE49-F238E27FC236}">
+                <a16:creationId xmlns:a16="http://schemas.microsoft.com/office/drawing/2014/main" id="{539E9C34-7A9F-4C30-9234-173422FE3532}"/>
+              </a:ext>
+            </a:extLst>
+          </p:cNvPr>
+          <p:cNvPicPr>
+            <a:picLocks noChangeAspect="1"/>
+          </p:cNvPicPr>
+          <p:nvPr/>
+        </p:nvPicPr>
+        <p:blipFill>
+          <a:blip r:embed="rId4"/>
+          <a:stretch>
+            <a:fillRect/>
+          </a:stretch>
+        </p:blipFill>
+        <p:spPr>
+          <a:xfrm>
+            <a:off x="5536854" y="3581400"/>
+            <a:ext cx="5184444" cy="3147313"/>
+          </a:xfrm>
+          <a:prstGeom prst="rect">
+            <a:avLst/>
+          </a:prstGeom>
+        </p:spPr>
+      </p:pic>
+      <p:sp>
+        <p:nvSpPr>
+          <p:cNvPr id="6" name="AutoShape 2" descr="Image result for candlestick pattern">
+            <a:extLst>
+              <a:ext uri="{FF2B5EF4-FFF2-40B4-BE49-F238E27FC236}">
+                <a16:creationId xmlns:a16="http://schemas.microsoft.com/office/drawing/2014/main" id="{3DCF13E4-A813-4096-8F42-85DD5735AD04}"/>
+              </a:ext>
+            </a:extLst>
+          </p:cNvPr>
+          <p:cNvSpPr>
+            <a:spLocks noChangeAspect="1" noChangeArrowheads="1"/>
+          </p:cNvSpPr>
+          <p:nvPr/>
+        </p:nvSpPr>
+        <p:spPr bwMode="auto">
+          <a:xfrm>
+            <a:off x="5943600" y="3276600"/>
+            <a:ext cx="304800" cy="304800"/>
+          </a:xfrm>
+          <a:prstGeom prst="rect">
+            <a:avLst/>
+          </a:prstGeom>
+          <a:noFill/>
+          <a:extLst>
+            <a:ext uri="{909E8E84-426E-40DD-AFC4-6F175D3DCCD1}">
+              <a14:hiddenFill xmlns:a14="http://schemas.microsoft.com/office/drawing/2010/main">
+                <a:solidFill>
+                  <a:srgbClr val="FFFFFF"/>
+                </a:solidFill>
+              </a14:hiddenFill>
+            </a:ext>
+          </a:extLst>
+        </p:spPr>
+        <p:txBody>
+          <a:bodyPr vert="horz" wrap="square" lIns="91440" tIns="45720" rIns="91440" bIns="45720" numCol="1" anchor="t" anchorCtr="0" compatLnSpc="1">
+            <a:prstTxWarp prst="textNoShape">
+              <a:avLst/>
+            </a:prstTxWarp>
+          </a:bodyPr>
+          <a:lstStyle/>
+          <a:p>
+            <a:endParaRPr lang="en-GB"/>
+          </a:p>
+        </p:txBody>
+      </p:sp>
+      <p:sp>
+        <p:nvSpPr>
+          <p:cNvPr id="7" name="AutoShape 4" descr="Image result for candlestick pattern">
+            <a:extLst>
+              <a:ext uri="{FF2B5EF4-FFF2-40B4-BE49-F238E27FC236}">
+                <a16:creationId xmlns:a16="http://schemas.microsoft.com/office/drawing/2014/main" id="{7CD95E82-CB1B-4B52-AC9A-F939F5C1997A}"/>
+              </a:ext>
+            </a:extLst>
+          </p:cNvPr>
+          <p:cNvSpPr>
+            <a:spLocks noChangeAspect="1" noChangeArrowheads="1"/>
+          </p:cNvSpPr>
+          <p:nvPr/>
+        </p:nvSpPr>
+        <p:spPr bwMode="auto">
+          <a:xfrm>
+            <a:off x="6096000" y="3429000"/>
+            <a:ext cx="304800" cy="304800"/>
+          </a:xfrm>
+          <a:prstGeom prst="rect">
+            <a:avLst/>
+          </a:prstGeom>
+          <a:noFill/>
+          <a:extLst>
+            <a:ext uri="{909E8E84-426E-40DD-AFC4-6F175D3DCCD1}">
+              <a14:hiddenFill xmlns:a14="http://schemas.microsoft.com/office/drawing/2010/main">
+                <a:solidFill>
+                  <a:srgbClr val="FFFFFF"/>
+                </a:solidFill>
+              </a14:hiddenFill>
+            </a:ext>
+          </a:extLst>
+        </p:spPr>
+        <p:txBody>
+          <a:bodyPr vert="horz" wrap="square" lIns="91440" tIns="45720" rIns="91440" bIns="45720" numCol="1" anchor="t" anchorCtr="0" compatLnSpc="1">
+            <a:prstTxWarp prst="textNoShape">
+              <a:avLst/>
+            </a:prstTxWarp>
+          </a:bodyPr>
+          <a:lstStyle/>
+          <a:p>
+            <a:endParaRPr lang="en-GB"/>
+          </a:p>
+        </p:txBody>
+      </p:sp>
+      <p:sp>
+        <p:nvSpPr>
+          <p:cNvPr id="8" name="AutoShape 6" descr="Image result for candlestick pattern">
+            <a:extLst>
+              <a:ext uri="{FF2B5EF4-FFF2-40B4-BE49-F238E27FC236}">
+                <a16:creationId xmlns:a16="http://schemas.microsoft.com/office/drawing/2014/main" id="{40EA0E60-B4A9-40EF-A68A-5CF52FCA032E}"/>
+              </a:ext>
+            </a:extLst>
+          </p:cNvPr>
+          <p:cNvSpPr>
+            <a:spLocks noChangeAspect="1" noChangeArrowheads="1"/>
+          </p:cNvSpPr>
+          <p:nvPr/>
+        </p:nvSpPr>
+        <p:spPr bwMode="auto">
+          <a:xfrm>
+            <a:off x="6248400" y="3581400"/>
+            <a:ext cx="304800" cy="304800"/>
+          </a:xfrm>
+          <a:prstGeom prst="rect">
+            <a:avLst/>
+          </a:prstGeom>
+          <a:noFill/>
+          <a:extLst>
+            <a:ext uri="{909E8E84-426E-40DD-AFC4-6F175D3DCCD1}">
+              <a14:hiddenFill xmlns:a14="http://schemas.microsoft.com/office/drawing/2010/main">
+                <a:solidFill>
+                  <a:srgbClr val="FFFFFF"/>
+                </a:solidFill>
+              </a14:hiddenFill>
+            </a:ext>
+          </a:extLst>
+        </p:spPr>
+        <p:txBody>
+          <a:bodyPr vert="horz" wrap="square" lIns="91440" tIns="45720" rIns="91440" bIns="45720" numCol="1" anchor="t" anchorCtr="0" compatLnSpc="1">
+            <a:prstTxWarp prst="textNoShape">
+              <a:avLst/>
+            </a:prstTxWarp>
+          </a:bodyPr>
+          <a:lstStyle/>
+          <a:p>
+            <a:endParaRPr lang="en-GB"/>
+          </a:p>
+        </p:txBody>
+      </p:sp>
+      <p:sp>
+        <p:nvSpPr>
+          <p:cNvPr id="9" name="AutoShape 8" descr="Image result for candlestick pattern">
+            <a:extLst>
+              <a:ext uri="{FF2B5EF4-FFF2-40B4-BE49-F238E27FC236}">
+                <a16:creationId xmlns:a16="http://schemas.microsoft.com/office/drawing/2014/main" id="{8070C4F5-97AD-41AB-9022-1F95C6F72914}"/>
+              </a:ext>
+            </a:extLst>
+          </p:cNvPr>
+          <p:cNvSpPr>
+            <a:spLocks noChangeAspect="1" noChangeArrowheads="1"/>
+          </p:cNvSpPr>
+          <p:nvPr/>
+        </p:nvSpPr>
+        <p:spPr bwMode="auto">
+          <a:xfrm>
+            <a:off x="6400800" y="3733800"/>
+            <a:ext cx="304800" cy="304800"/>
+          </a:xfrm>
+          <a:prstGeom prst="rect">
+            <a:avLst/>
+          </a:prstGeom>
+          <a:noFill/>
+          <a:extLst>
+            <a:ext uri="{909E8E84-426E-40DD-AFC4-6F175D3DCCD1}">
+              <a14:hiddenFill xmlns:a14="http://schemas.microsoft.com/office/drawing/2010/main">
+                <a:solidFill>
+                  <a:srgbClr val="FFFFFF"/>
+                </a:solidFill>
+              </a14:hiddenFill>
+            </a:ext>
+          </a:extLst>
+        </p:spPr>
+        <p:txBody>
+          <a:bodyPr vert="horz" wrap="square" lIns="91440" tIns="45720" rIns="91440" bIns="45720" numCol="1" anchor="t" anchorCtr="0" compatLnSpc="1">
+            <a:prstTxWarp prst="textNoShape">
+              <a:avLst/>
+            </a:prstTxWarp>
+          </a:bodyPr>
+          <a:lstStyle/>
+          <a:p>
+            <a:endParaRPr lang="en-GB"/>
+          </a:p>
+        </p:txBody>
+      </p:sp>
+    </p:spTree>
+    <p:extLst>
+      <p:ext uri="{BB962C8B-B14F-4D97-AF65-F5344CB8AC3E}">
+        <p14:creationId xmlns:p14="http://schemas.microsoft.com/office/powerpoint/2010/main" val="1976731929"/>
+      </p:ext>
+    </p:extLst>
+  </p:cSld>
+  <p:clrMapOvr>
+    <a:masterClrMapping/>
+  </p:clrMapOvr>
+</p:sld>
+</file>
+
+<file path=ppt/slides/slide6.xml><?xml version="1.0" encoding="utf-8"?>
+<p:sld xmlns:a="http://schemas.openxmlformats.org/drawingml/2006/main" xmlns:r="http://schemas.openxmlformats.org/officeDocument/2006/relationships" xmlns:p="http://schemas.openxmlformats.org/presentationml/2006/main">
+  <p:cSld>
+    <p:spTree>
+      <p:nvGrpSpPr>
+        <p:cNvPr id="1" name=""/>
+        <p:cNvGrpSpPr/>
+        <p:nvPr/>
+      </p:nvGrpSpPr>
+      <p:grpSpPr>
+        <a:xfrm>
+          <a:off x="0" y="0"/>
+          <a:ext cx="0" cy="0"/>
+          <a:chOff x="0" y="0"/>
+          <a:chExt cx="0" cy="0"/>
+        </a:xfrm>
+      </p:grpSpPr>
+      <p:sp>
+        <p:nvSpPr>
+          <p:cNvPr id="2" name="Title 1">
+            <a:extLst>
+              <a:ext uri="{FF2B5EF4-FFF2-40B4-BE49-F238E27FC236}">
+                <a16:creationId xmlns:a16="http://schemas.microsoft.com/office/drawing/2014/main" id="{0D3570BC-1ECC-43C3-A69C-0B0B45655D8D}"/>
+              </a:ext>
+            </a:extLst>
+          </p:cNvPr>
+          <p:cNvSpPr>
+            <a:spLocks noGrp="1"/>
+          </p:cNvSpPr>
+          <p:nvPr>
+            <p:ph type="title"/>
+          </p:nvPr>
+        </p:nvSpPr>
+        <p:spPr/>
+        <p:txBody>
+          <a:bodyPr/>
+          <a:lstStyle/>
+          <a:p>
+            <a:r>
+              <a:rPr lang="en-GB" dirty="0"/>
+              <a:t>Example	</a:t>
+            </a:r>
+          </a:p>
+        </p:txBody>
+      </p:sp>
+      <p:pic>
+        <p:nvPicPr>
+          <p:cNvPr id="4" name="Picture 3">
+            <a:extLst>
+              <a:ext uri="{FF2B5EF4-FFF2-40B4-BE49-F238E27FC236}">
+                <a16:creationId xmlns:a16="http://schemas.microsoft.com/office/drawing/2014/main" id="{410695F8-22DE-435E-B5F5-22F0DADE581D}"/>
+              </a:ext>
+            </a:extLst>
+          </p:cNvPr>
+          <p:cNvPicPr>
+            <a:picLocks noChangeAspect="1"/>
+          </p:cNvPicPr>
+          <p:nvPr/>
+        </p:nvPicPr>
+        <p:blipFill>
+          <a:blip r:embed="rId2"/>
+          <a:stretch>
+            <a:fillRect/>
+          </a:stretch>
+        </p:blipFill>
+        <p:spPr>
+          <a:xfrm>
+            <a:off x="6251257" y="1930400"/>
+            <a:ext cx="3895725" cy="3771900"/>
+          </a:xfrm>
+          <a:prstGeom prst="rect">
+            <a:avLst/>
+          </a:prstGeom>
+        </p:spPr>
+      </p:pic>
+      <p:pic>
+        <p:nvPicPr>
+          <p:cNvPr id="5" name="Picture 4">
+            <a:extLst>
+              <a:ext uri="{FF2B5EF4-FFF2-40B4-BE49-F238E27FC236}">
+                <a16:creationId xmlns:a16="http://schemas.microsoft.com/office/drawing/2014/main" id="{C547E0E1-4D54-4BA3-9BFC-F8B0B92B0AFF}"/>
+              </a:ext>
+            </a:extLst>
+          </p:cNvPr>
+          <p:cNvPicPr>
+            <a:picLocks noChangeAspect="1"/>
+          </p:cNvPicPr>
+          <p:nvPr/>
+        </p:nvPicPr>
+        <p:blipFill>
+          <a:blip r:embed="rId3"/>
+          <a:stretch>
+            <a:fillRect/>
+          </a:stretch>
+        </p:blipFill>
+        <p:spPr>
+          <a:xfrm>
+            <a:off x="1757025" y="1443482"/>
+            <a:ext cx="3218643" cy="4745736"/>
+          </a:xfrm>
+          <a:prstGeom prst="rect">
+            <a:avLst/>
+          </a:prstGeom>
+        </p:spPr>
+      </p:pic>
+    </p:spTree>
+    <p:extLst>
+      <p:ext uri="{BB962C8B-B14F-4D97-AF65-F5344CB8AC3E}">
+        <p14:creationId xmlns:p14="http://schemas.microsoft.com/office/powerpoint/2010/main" val="1649704380"/>
+      </p:ext>
+    </p:extLst>
+  </p:cSld>
+  <p:clrMapOvr>
+    <a:masterClrMapping/>
+  </p:clrMapOvr>
+</p:sld>
+</file>
+
+<file path=ppt/slides/slide7.xml><?xml version="1.0" encoding="utf-8"?>
+<p:sld xmlns:a="http://schemas.openxmlformats.org/drawingml/2006/main" xmlns:r="http://schemas.openxmlformats.org/officeDocument/2006/relationships" xmlns:p="http://schemas.openxmlformats.org/presentationml/2006/main">
+  <p:cSld>
+    <p:spTree>
+      <p:nvGrpSpPr>
+        <p:cNvPr id="1" name=""/>
+        <p:cNvGrpSpPr/>
+        <p:nvPr/>
+      </p:nvGrpSpPr>
+      <p:grpSpPr>
+        <a:xfrm>
+          <a:off x="0" y="0"/>
+          <a:ext cx="0" cy="0"/>
+          <a:chOff x="0" y="0"/>
+          <a:chExt cx="0" cy="0"/>
+        </a:xfrm>
+      </p:grpSpPr>
+      <p:sp>
+        <p:nvSpPr>
+          <p:cNvPr id="2" name="Title 1">
+            <a:extLst>
+              <a:ext uri="{FF2B5EF4-FFF2-40B4-BE49-F238E27FC236}">
+                <a16:creationId xmlns:a16="http://schemas.microsoft.com/office/drawing/2014/main" id="{B59C4D50-C1E8-4A82-80AC-C224B79F07A9}"/>
+              </a:ext>
+            </a:extLst>
+          </p:cNvPr>
+          <p:cNvSpPr>
+            <a:spLocks noGrp="1"/>
+          </p:cNvSpPr>
+          <p:nvPr>
+            <p:ph type="title"/>
+          </p:nvPr>
+        </p:nvSpPr>
+        <p:spPr/>
+        <p:txBody>
+          <a:bodyPr/>
+          <a:lstStyle/>
+          <a:p>
+            <a:r>
+              <a:rPr lang="en-GB" dirty="0"/>
+              <a:t>Relative Strength Index </a:t>
+            </a:r>
+          </a:p>
+        </p:txBody>
+      </p:sp>
+      <p:pic>
+        <p:nvPicPr>
+          <p:cNvPr id="4" name="Picture 3">
+            <a:extLst>
+              <a:ext uri="{FF2B5EF4-FFF2-40B4-BE49-F238E27FC236}">
+                <a16:creationId xmlns:a16="http://schemas.microsoft.com/office/drawing/2014/main" id="{5CC0F798-476C-4300-8673-329D273DAD12}"/>
+              </a:ext>
+            </a:extLst>
+          </p:cNvPr>
+          <p:cNvPicPr>
+            <a:picLocks noChangeAspect="1"/>
+          </p:cNvPicPr>
+          <p:nvPr/>
+        </p:nvPicPr>
+        <p:blipFill>
+          <a:blip r:embed="rId2"/>
+          <a:stretch>
+            <a:fillRect/>
+          </a:stretch>
+        </p:blipFill>
+        <p:spPr>
+          <a:xfrm>
+            <a:off x="6096000" y="3003551"/>
+            <a:ext cx="6096000" cy="3848100"/>
+          </a:xfrm>
+          <a:prstGeom prst="rect">
+            <a:avLst/>
+          </a:prstGeom>
+        </p:spPr>
+      </p:pic>
+      <p:pic>
+        <p:nvPicPr>
+          <p:cNvPr id="6" name="Picture 5">
+            <a:extLst>
+              <a:ext uri="{FF2B5EF4-FFF2-40B4-BE49-F238E27FC236}">
+                <a16:creationId xmlns:a16="http://schemas.microsoft.com/office/drawing/2014/main" id="{B4AC902D-F65A-45B5-BF77-8D582547A698}"/>
+              </a:ext>
+            </a:extLst>
+          </p:cNvPr>
+          <p:cNvPicPr>
+            <a:picLocks noChangeAspect="1"/>
+          </p:cNvPicPr>
+          <p:nvPr/>
+        </p:nvPicPr>
+        <p:blipFill>
+          <a:blip r:embed="rId3"/>
+          <a:stretch>
+            <a:fillRect/>
+          </a:stretch>
+        </p:blipFill>
+        <p:spPr>
+          <a:xfrm>
+            <a:off x="515874" y="1384301"/>
+            <a:ext cx="2857500" cy="1619250"/>
+          </a:xfrm>
+          <a:prstGeom prst="rect">
+            <a:avLst/>
+          </a:prstGeom>
+        </p:spPr>
+      </p:pic>
+      <p:pic>
+        <p:nvPicPr>
+          <p:cNvPr id="7" name="Picture 6">
+            <a:extLst>
+              <a:ext uri="{FF2B5EF4-FFF2-40B4-BE49-F238E27FC236}">
+                <a16:creationId xmlns:a16="http://schemas.microsoft.com/office/drawing/2014/main" id="{F980ADF4-69F5-4D70-8F93-E42008151248}"/>
+              </a:ext>
+            </a:extLst>
+          </p:cNvPr>
+          <p:cNvPicPr>
+            <a:picLocks noChangeAspect="1"/>
+          </p:cNvPicPr>
+          <p:nvPr/>
+        </p:nvPicPr>
+        <p:blipFill>
+          <a:blip r:embed="rId4"/>
+          <a:stretch>
+            <a:fillRect/>
+          </a:stretch>
+        </p:blipFill>
+        <p:spPr>
+          <a:xfrm>
+            <a:off x="2206180" y="3549777"/>
+            <a:ext cx="2695575" cy="1733550"/>
+          </a:xfrm>
+          <a:prstGeom prst="rect">
+            <a:avLst/>
+          </a:prstGeom>
+        </p:spPr>
+      </p:pic>
+      <p:cxnSp>
+        <p:nvCxnSpPr>
+          <p:cNvPr id="9" name="Straight Arrow Connector 8">
+            <a:extLst>
+              <a:ext uri="{FF2B5EF4-FFF2-40B4-BE49-F238E27FC236}">
+                <a16:creationId xmlns:a16="http://schemas.microsoft.com/office/drawing/2014/main" id="{B750FE3E-FDF2-43F8-A84D-DFFEC8D932CD}"/>
+              </a:ext>
+            </a:extLst>
+          </p:cNvPr>
+          <p:cNvCxnSpPr/>
+          <p:nvPr/>
+        </p:nvCxnSpPr>
+        <p:spPr>
+          <a:xfrm>
+            <a:off x="4636008" y="4992624"/>
+            <a:ext cx="3136392" cy="585216"/>
+          </a:xfrm>
+          <a:prstGeom prst="straightConnector1">
+            <a:avLst/>
+          </a:prstGeom>
+          <a:ln w="38100">
+            <a:tailEnd type="triangle"/>
+          </a:ln>
+        </p:spPr>
+        <p:style>
+          <a:lnRef idx="1">
+            <a:schemeClr val="accent1"/>
+          </a:lnRef>
+          <a:fillRef idx="0">
+            <a:schemeClr val="accent1"/>
+          </a:fillRef>
+          <a:effectRef idx="0">
+            <a:schemeClr val="accent1"/>
+          </a:effectRef>
+          <a:fontRef idx="minor">
+            <a:schemeClr val="tx1"/>
+          </a:fontRef>
+        </p:style>
+      </p:cxnSp>
+    </p:spTree>
+    <p:extLst>
+      <p:ext uri="{BB962C8B-B14F-4D97-AF65-F5344CB8AC3E}">
+        <p14:creationId xmlns:p14="http://schemas.microsoft.com/office/powerpoint/2010/main" val="1143612799"/>
+      </p:ext>
+    </p:extLst>
+  </p:cSld>
+  <p:clrMapOvr>
+    <a:masterClrMapping/>
+  </p:clrMapOvr>
+</p:sld>
+</file>
+
+<file path=ppt/slides/slide8.xml><?xml version="1.0" encoding="utf-8"?>
+<p:sld xmlns:a="http://schemas.openxmlformats.org/drawingml/2006/main" xmlns:r="http://schemas.openxmlformats.org/officeDocument/2006/relationships" xmlns:p="http://schemas.openxmlformats.org/presentationml/2006/main">
+  <p:cSld>
+    <p:spTree>
+      <p:nvGrpSpPr>
+        <p:cNvPr id="1" name=""/>
+        <p:cNvGrpSpPr/>
+        <p:nvPr/>
+      </p:nvGrpSpPr>
+      <p:grpSpPr>
+        <a:xfrm>
+          <a:off x="0" y="0"/>
+          <a:ext cx="0" cy="0"/>
+          <a:chOff x="0" y="0"/>
+          <a:chExt cx="0" cy="0"/>
+        </a:xfrm>
+      </p:grpSpPr>
+      <p:sp>
+        <p:nvSpPr>
+          <p:cNvPr id="2" name="Title 1"/>
+          <p:cNvSpPr>
+            <a:spLocks noGrp="1"/>
+          </p:cNvSpPr>
+          <p:nvPr>
+            <p:ph type="title"/>
+          </p:nvPr>
+        </p:nvSpPr>
+        <p:spPr/>
+        <p:txBody>
+          <a:bodyPr/>
+          <a:lstStyle/>
+          <a:p>
+            <a:r>
+              <a:rPr lang="en-GB" dirty="0"/>
+              <a:t>Proposed solution idea</a:t>
+            </a:r>
+          </a:p>
+        </p:txBody>
+      </p:sp>
+      <p:pic>
+        <p:nvPicPr>
+          <p:cNvPr id="5" name="Content Placeholder 4">
+            <a:extLst>
+              <a:ext uri="{FF2B5EF4-FFF2-40B4-BE49-F238E27FC236}">
+                <a16:creationId xmlns:a16="http://schemas.microsoft.com/office/drawing/2014/main" id="{5DFBBCC4-09FA-46F1-9174-39A4B6BF9CA9}"/>
+              </a:ext>
+            </a:extLst>
+          </p:cNvPr>
+          <p:cNvPicPr>
+            <a:picLocks noGrp="1" noChangeAspect="1"/>
+          </p:cNvPicPr>
+          <p:nvPr>
+            <p:ph idx="1"/>
+          </p:nvPr>
+        </p:nvPicPr>
+        <p:blipFill>
+          <a:blip r:embed="rId3">
+            <a:extLst>
+              <a:ext uri="{28A0092B-C50C-407E-A947-70E740481C1C}">
+                <a14:useLocalDpi xmlns:a14="http://schemas.microsoft.com/office/drawing/2010/main" val="0"/>
+              </a:ext>
+            </a:extLst>
+          </a:blip>
+          <a:stretch>
+            <a:fillRect/>
+          </a:stretch>
+        </p:blipFill>
+        <p:spPr>
+          <a:xfrm>
+            <a:off x="457200" y="1092615"/>
+            <a:ext cx="8982075" cy="5494087"/>
+          </a:xfrm>
+        </p:spPr>
+      </p:pic>
+    </p:spTree>
+    <p:extLst>
+      <p:ext uri="{BB962C8B-B14F-4D97-AF65-F5344CB8AC3E}">
+        <p14:creationId xmlns:p14="http://schemas.microsoft.com/office/powerpoint/2010/main" val="3310381124"/>
+      </p:ext>
+    </p:extLst>
+  </p:cSld>
+  <p:clrMapOvr>
+    <a:masterClrMapping/>
+  </p:clrMapOvr>
+</p:sld>
+</file>
+
+<file path=ppt/slides/slide9.xml><?xml version="1.0" encoding="utf-8"?>
+<p:sld xmlns:a="http://schemas.openxmlformats.org/drawingml/2006/main" xmlns:r="http://schemas.openxmlformats.org/officeDocument/2006/relationships" xmlns:p="http://schemas.openxmlformats.org/presentationml/2006/main">
+  <p:cSld>
+    <p:spTree>
+      <p:nvGrpSpPr>
+        <p:cNvPr id="1" name=""/>
+        <p:cNvGrpSpPr/>
+        <p:nvPr/>
+      </p:nvGrpSpPr>
+      <p:grpSpPr>
+        <a:xfrm>
+          <a:off x="0" y="0"/>
+          <a:ext cx="0" cy="0"/>
+          <a:chOff x="0" y="0"/>
+          <a:chExt cx="0" cy="0"/>
+        </a:xfrm>
+      </p:grpSpPr>
+      <p:sp>
+        <p:nvSpPr>
+          <p:cNvPr id="2" name="Title 1">
+            <a:extLst>
+              <a:ext uri="{FF2B5EF4-FFF2-40B4-BE49-F238E27FC236}">
+                <a16:creationId xmlns:a16="http://schemas.microsoft.com/office/drawing/2014/main" id="{26E8C2DE-62D5-4C40-9415-68948ED88F09}"/>
+              </a:ext>
+            </a:extLst>
+          </p:cNvPr>
+          <p:cNvSpPr>
+            <a:spLocks noGrp="1"/>
+          </p:cNvSpPr>
+          <p:nvPr>
+            <p:ph type="title"/>
+          </p:nvPr>
+        </p:nvSpPr>
+        <p:spPr/>
+        <p:txBody>
+          <a:bodyPr/>
+          <a:lstStyle/>
+          <a:p>
+            <a:r>
+              <a:rPr lang="en-GB" dirty="0"/>
+              <a:t>Visualised(Trading 212)</a:t>
+            </a:r>
+          </a:p>
+        </p:txBody>
+      </p:sp>
+      <p:pic>
+        <p:nvPicPr>
+          <p:cNvPr id="4" name="Content Placeholder 3">
+            <a:extLst>
+              <a:ext uri="{FF2B5EF4-FFF2-40B4-BE49-F238E27FC236}">
+                <a16:creationId xmlns:a16="http://schemas.microsoft.com/office/drawing/2014/main" id="{39678202-5AB4-4B1F-8DF9-960B511BDFF4}"/>
+              </a:ext>
+            </a:extLst>
+          </p:cNvPr>
+          <p:cNvPicPr>
+            <a:picLocks noGrp="1" noChangeAspect="1"/>
+          </p:cNvPicPr>
+          <p:nvPr>
+            <p:ph idx="1"/>
+          </p:nvPr>
+        </p:nvPicPr>
+        <p:blipFill>
+          <a:blip r:embed="rId2"/>
+          <a:stretch>
+            <a:fillRect/>
+          </a:stretch>
+        </p:blipFill>
+        <p:spPr>
+          <a:xfrm>
+            <a:off x="823638" y="2071624"/>
+            <a:ext cx="9616296" cy="4176775"/>
+          </a:xfrm>
+          <a:prstGeom prst="rect">
+            <a:avLst/>
+          </a:prstGeom>
+        </p:spPr>
+      </p:pic>
+    </p:spTree>
+    <p:extLst>
+      <p:ext uri="{BB962C8B-B14F-4D97-AF65-F5344CB8AC3E}">
+        <p14:creationId xmlns:p14="http://schemas.microsoft.com/office/powerpoint/2010/main" val="563722860"/>
+      </p:ext>
+    </p:extLst>
+  </p:cSld>
+  <p:clrMapOvr>
+    <a:masterClrMapping/>
+  </p:clrMapOvr>
+</p:sld>
+</file>
+
 <file path=ppt/theme/theme1.xml><?xml version="1.0" encoding="utf-8"?>
 <a:theme xmlns:a="http://schemas.openxmlformats.org/drawingml/2006/main" name="Facet">
   <a:themeElements>
